--- a/rapport/images/angleVersusEuclidean.pptx
+++ b/rapport/images/angleVersusEuclidean.pptx
@@ -288,7 +288,7 @@
           <a:p>
             <a:fld id="{5A8AF93C-FE50-9347-99D0-15CBF231C569}" type="datetimeFigureOut">
               <a:rPr lang="en-US" smtClean="0"/>
-              <a:t>23/05/11</a:t>
+              <a:t>30/05/11</a:t>
             </a:fld>
             <a:endParaRPr lang="en-US"/>
           </a:p>
@@ -458,7 +458,7 @@
           <a:p>
             <a:fld id="{5A8AF93C-FE50-9347-99D0-15CBF231C569}" type="datetimeFigureOut">
               <a:rPr lang="en-US" smtClean="0"/>
-              <a:t>23/05/11</a:t>
+              <a:t>30/05/11</a:t>
             </a:fld>
             <a:endParaRPr lang="en-US"/>
           </a:p>
@@ -638,7 +638,7 @@
           <a:p>
             <a:fld id="{5A8AF93C-FE50-9347-99D0-15CBF231C569}" type="datetimeFigureOut">
               <a:rPr lang="en-US" smtClean="0"/>
-              <a:t>23/05/11</a:t>
+              <a:t>30/05/11</a:t>
             </a:fld>
             <a:endParaRPr lang="en-US"/>
           </a:p>
@@ -808,7 +808,7 @@
           <a:p>
             <a:fld id="{5A8AF93C-FE50-9347-99D0-15CBF231C569}" type="datetimeFigureOut">
               <a:rPr lang="en-US" smtClean="0"/>
-              <a:t>23/05/11</a:t>
+              <a:t>30/05/11</a:t>
             </a:fld>
             <a:endParaRPr lang="en-US"/>
           </a:p>
@@ -1054,7 +1054,7 @@
           <a:p>
             <a:fld id="{5A8AF93C-FE50-9347-99D0-15CBF231C569}" type="datetimeFigureOut">
               <a:rPr lang="en-US" smtClean="0"/>
-              <a:t>23/05/11</a:t>
+              <a:t>30/05/11</a:t>
             </a:fld>
             <a:endParaRPr lang="en-US"/>
           </a:p>
@@ -1342,7 +1342,7 @@
           <a:p>
             <a:fld id="{5A8AF93C-FE50-9347-99D0-15CBF231C569}" type="datetimeFigureOut">
               <a:rPr lang="en-US" smtClean="0"/>
-              <a:t>23/05/11</a:t>
+              <a:t>30/05/11</a:t>
             </a:fld>
             <a:endParaRPr lang="en-US"/>
           </a:p>
@@ -1764,7 +1764,7 @@
           <a:p>
             <a:fld id="{5A8AF93C-FE50-9347-99D0-15CBF231C569}" type="datetimeFigureOut">
               <a:rPr lang="en-US" smtClean="0"/>
-              <a:t>23/05/11</a:t>
+              <a:t>30/05/11</a:t>
             </a:fld>
             <a:endParaRPr lang="en-US"/>
           </a:p>
@@ -1882,7 +1882,7 @@
           <a:p>
             <a:fld id="{5A8AF93C-FE50-9347-99D0-15CBF231C569}" type="datetimeFigureOut">
               <a:rPr lang="en-US" smtClean="0"/>
-              <a:t>23/05/11</a:t>
+              <a:t>30/05/11</a:t>
             </a:fld>
             <a:endParaRPr lang="en-US"/>
           </a:p>
@@ -1977,7 +1977,7 @@
           <a:p>
             <a:fld id="{5A8AF93C-FE50-9347-99D0-15CBF231C569}" type="datetimeFigureOut">
               <a:rPr lang="en-US" smtClean="0"/>
-              <a:t>23/05/11</a:t>
+              <a:t>30/05/11</a:t>
             </a:fld>
             <a:endParaRPr lang="en-US"/>
           </a:p>
@@ -2254,7 +2254,7 @@
           <a:p>
             <a:fld id="{5A8AF93C-FE50-9347-99D0-15CBF231C569}" type="datetimeFigureOut">
               <a:rPr lang="en-US" smtClean="0"/>
-              <a:t>23/05/11</a:t>
+              <a:t>30/05/11</a:t>
             </a:fld>
             <a:endParaRPr lang="en-US"/>
           </a:p>
@@ -2507,7 +2507,7 @@
           <a:p>
             <a:fld id="{5A8AF93C-FE50-9347-99D0-15CBF231C569}" type="datetimeFigureOut">
               <a:rPr lang="en-US" smtClean="0"/>
-              <a:t>23/05/11</a:t>
+              <a:t>30/05/11</a:t>
             </a:fld>
             <a:endParaRPr lang="en-US"/>
           </a:p>
@@ -2720,7 +2720,7 @@
           <a:p>
             <a:fld id="{5A8AF93C-FE50-9347-99D0-15CBF231C569}" type="datetimeFigureOut">
               <a:rPr lang="en-US" smtClean="0"/>
-              <a:t>23/05/11</a:t>
+              <a:t>30/05/11</a:t>
             </a:fld>
             <a:endParaRPr lang="en-US"/>
           </a:p>
@@ -3759,6 +3759,130 @@
                 <a:prstClr val="black"/>
               </a:solidFill>
             </a:endParaRPr>
+          </a:p>
+        </p:txBody>
+      </p:sp>
+      <p:sp>
+        <p:nvSpPr>
+          <p:cNvPr id="20" name="TextBox 19"/>
+          <p:cNvSpPr txBox="1"/>
+          <p:nvPr/>
+        </p:nvSpPr>
+        <p:spPr>
+          <a:xfrm>
+            <a:off x="2645728" y="1265763"/>
+            <a:ext cx="295123" cy="307777"/>
+          </a:xfrm>
+          <a:prstGeom prst="rect">
+            <a:avLst/>
+          </a:prstGeom>
+          <a:noFill/>
+        </p:spPr>
+        <p:txBody>
+          <a:bodyPr wrap="none" rtlCol="0">
+            <a:spAutoFit/>
+          </a:bodyPr>
+          <a:lstStyle/>
+          <a:p>
+            <a:pPr algn="r"/>
+            <a:r>
+              <a:rPr lang="en-US" sz="1400" dirty="0"/>
+              <a:t>D</a:t>
+            </a:r>
+            <a:endParaRPr lang="en-US" sz="1400" dirty="0" smtClean="0"/>
+          </a:p>
+        </p:txBody>
+      </p:sp>
+      <p:sp>
+        <p:nvSpPr>
+          <p:cNvPr id="21" name="TextBox 20"/>
+          <p:cNvSpPr txBox="1"/>
+          <p:nvPr/>
+        </p:nvSpPr>
+        <p:spPr>
+          <a:xfrm>
+            <a:off x="3486899" y="1275170"/>
+            <a:ext cx="288548" cy="307777"/>
+          </a:xfrm>
+          <a:prstGeom prst="rect">
+            <a:avLst/>
+          </a:prstGeom>
+          <a:noFill/>
+        </p:spPr>
+        <p:txBody>
+          <a:bodyPr wrap="none" rtlCol="0">
+            <a:spAutoFit/>
+          </a:bodyPr>
+          <a:lstStyle/>
+          <a:p>
+            <a:pPr algn="r"/>
+            <a:r>
+              <a:rPr lang="en-US" sz="1400" dirty="0" smtClean="0"/>
+              <a:t>A</a:t>
+            </a:r>
+            <a:endParaRPr lang="en-US" sz="1400" dirty="0"/>
+          </a:p>
+        </p:txBody>
+      </p:sp>
+      <p:sp>
+        <p:nvSpPr>
+          <p:cNvPr id="22" name="TextBox 21"/>
+          <p:cNvSpPr txBox="1"/>
+          <p:nvPr/>
+        </p:nvSpPr>
+        <p:spPr>
+          <a:xfrm>
+            <a:off x="2742790" y="1967012"/>
+            <a:ext cx="280395" cy="307777"/>
+          </a:xfrm>
+          <a:prstGeom prst="rect">
+            <a:avLst/>
+          </a:prstGeom>
+          <a:noFill/>
+        </p:spPr>
+        <p:txBody>
+          <a:bodyPr wrap="none" rtlCol="0">
+            <a:spAutoFit/>
+          </a:bodyPr>
+          <a:lstStyle/>
+          <a:p>
+            <a:pPr algn="r"/>
+            <a:r>
+              <a:rPr lang="en-US" sz="1400" dirty="0"/>
+              <a:t>C</a:t>
+            </a:r>
+            <a:endParaRPr lang="en-US" sz="1400" dirty="0"/>
+          </a:p>
+        </p:txBody>
+      </p:sp>
+      <p:sp>
+        <p:nvSpPr>
+          <p:cNvPr id="23" name="TextBox 22"/>
+          <p:cNvSpPr txBox="1"/>
+          <p:nvPr/>
+        </p:nvSpPr>
+        <p:spPr>
+          <a:xfrm>
+            <a:off x="3449838" y="1961306"/>
+            <a:ext cx="282324" cy="307777"/>
+          </a:xfrm>
+          <a:prstGeom prst="rect">
+            <a:avLst/>
+          </a:prstGeom>
+          <a:noFill/>
+        </p:spPr>
+        <p:txBody>
+          <a:bodyPr wrap="none" rtlCol="0">
+            <a:spAutoFit/>
+          </a:bodyPr>
+          <a:lstStyle/>
+          <a:p>
+            <a:pPr algn="r"/>
+            <a:r>
+              <a:rPr lang="en-US" sz="1400" dirty="0"/>
+              <a:t>B</a:t>
+            </a:r>
+            <a:endParaRPr lang="en-US" sz="1400" dirty="0" smtClean="0"/>
           </a:p>
         </p:txBody>
       </p:sp>
